--- a/class/micro05.pptx
+++ b/class/micro05.pptx
@@ -9,6 +9,7 @@
     <p:sldId id="272" r:id="rId3"/>
     <p:sldId id="293" r:id="rId4"/>
     <p:sldId id="294" r:id="rId5"/>
+    <p:sldId id="295" r:id="rId6"/>
   </p:sldIdLst>
   <p:sldSz cx="12192000" cy="6858000"/>
   <p:notesSz cx="6858000" cy="9144000"/>
@@ -285,7 +286,7 @@
           <a:p>
             <a:fld id="{48A87A34-81AB-432B-8DAE-1953F412C126}" type="datetimeFigureOut">
               <a:rPr lang="en-US" smtClean="0"/>
-              <a:t>12/8/2023</a:t>
+              <a:t>12/11/2023</a:t>
             </a:fld>
             <a:endParaRPr lang="en-US" dirty="0"/>
           </a:p>
@@ -553,7 +554,7 @@
             <a:fld id="{48A87A34-81AB-432B-8DAE-1953F412C126}" type="datetimeFigureOut">
               <a:rPr lang="en-US" smtClean="0"/>
               <a:pPr/>
-              <a:t>12/8/2023</a:t>
+              <a:t>12/11/2023</a:t>
             </a:fld>
             <a:endParaRPr lang="en-US" dirty="0"/>
           </a:p>
@@ -786,7 +787,7 @@
             <a:fld id="{48A87A34-81AB-432B-8DAE-1953F412C126}" type="datetimeFigureOut">
               <a:rPr lang="en-US" smtClean="0"/>
               <a:pPr/>
-              <a:t>12/8/2023</a:t>
+              <a:t>12/11/2023</a:t>
             </a:fld>
             <a:endParaRPr lang="en-US" dirty="0"/>
           </a:p>
@@ -1098,7 +1099,7 @@
             <a:fld id="{48A87A34-81AB-432B-8DAE-1953F412C126}" type="datetimeFigureOut">
               <a:rPr lang="en-US" smtClean="0"/>
               <a:pPr/>
-              <a:t>12/8/2023</a:t>
+              <a:t>12/11/2023</a:t>
             </a:fld>
             <a:endParaRPr lang="en-US" dirty="0"/>
           </a:p>
@@ -1573,7 +1574,7 @@
             <a:fld id="{48A87A34-81AB-432B-8DAE-1953F412C126}" type="datetimeFigureOut">
               <a:rPr lang="en-US" smtClean="0"/>
               <a:pPr/>
-              <a:t>12/8/2023</a:t>
+              <a:t>12/11/2023</a:t>
             </a:fld>
             <a:endParaRPr lang="en-US" dirty="0"/>
           </a:p>
@@ -2122,7 +2123,7 @@
             <a:fld id="{48A87A34-81AB-432B-8DAE-1953F412C126}" type="datetimeFigureOut">
               <a:rPr lang="en-US" smtClean="0"/>
               <a:pPr/>
-              <a:t>12/8/2023</a:t>
+              <a:t>12/11/2023</a:t>
             </a:fld>
             <a:endParaRPr lang="en-US" dirty="0"/>
           </a:p>
@@ -2898,7 +2899,7 @@
             <a:fld id="{48A87A34-81AB-432B-8DAE-1953F412C126}" type="datetimeFigureOut">
               <a:rPr lang="en-US" smtClean="0"/>
               <a:pPr/>
-              <a:t>12/8/2023</a:t>
+              <a:t>12/11/2023</a:t>
             </a:fld>
             <a:endParaRPr lang="en-US" dirty="0"/>
           </a:p>
@@ -3074,7 +3075,7 @@
           <a:p>
             <a:fld id="{48A87A34-81AB-432B-8DAE-1953F412C126}" type="datetimeFigureOut">
               <a:rPr lang="en-US" smtClean="0"/>
-              <a:t>12/8/2023</a:t>
+              <a:t>12/11/2023</a:t>
             </a:fld>
             <a:endParaRPr lang="en-US" dirty="0"/>
           </a:p>
@@ -3297,7 +3298,7 @@
           <a:p>
             <a:fld id="{48A87A34-81AB-432B-8DAE-1953F412C126}" type="datetimeFigureOut">
               <a:rPr lang="en-US" smtClean="0"/>
-              <a:t>12/8/2023</a:t>
+              <a:t>12/11/2023</a:t>
             </a:fld>
             <a:endParaRPr lang="en-US" dirty="0"/>
           </a:p>
@@ -3477,7 +3478,7 @@
           <a:p>
             <a:fld id="{48A87A34-81AB-432B-8DAE-1953F412C126}" type="datetimeFigureOut">
               <a:rPr lang="en-US" smtClean="0"/>
-              <a:t>12/8/2023</a:t>
+              <a:t>12/11/2023</a:t>
             </a:fld>
             <a:endParaRPr lang="en-US" dirty="0"/>
           </a:p>
@@ -3766,7 +3767,7 @@
           <a:p>
             <a:fld id="{48A87A34-81AB-432B-8DAE-1953F412C126}" type="datetimeFigureOut">
               <a:rPr lang="en-US" smtClean="0"/>
-              <a:t>12/8/2023</a:t>
+              <a:t>12/11/2023</a:t>
             </a:fld>
             <a:endParaRPr lang="en-US" dirty="0"/>
           </a:p>
@@ -4008,7 +4009,7 @@
           <a:p>
             <a:fld id="{48A87A34-81AB-432B-8DAE-1953F412C126}" type="datetimeFigureOut">
               <a:rPr lang="en-US" smtClean="0"/>
-              <a:t>12/8/2023</a:t>
+              <a:t>12/11/2023</a:t>
             </a:fld>
             <a:endParaRPr lang="en-US" dirty="0"/>
           </a:p>
@@ -4387,7 +4388,7 @@
           <a:p>
             <a:fld id="{48A87A34-81AB-432B-8DAE-1953F412C126}" type="datetimeFigureOut">
               <a:rPr lang="en-US" smtClean="0"/>
-              <a:t>12/8/2023</a:t>
+              <a:t>12/11/2023</a:t>
             </a:fld>
             <a:endParaRPr lang="en-US" dirty="0"/>
           </a:p>
@@ -4505,7 +4506,7 @@
           <a:p>
             <a:fld id="{48A87A34-81AB-432B-8DAE-1953F412C126}" type="datetimeFigureOut">
               <a:rPr lang="en-US" smtClean="0"/>
-              <a:t>12/8/2023</a:t>
+              <a:t>12/11/2023</a:t>
             </a:fld>
             <a:endParaRPr lang="en-US" dirty="0"/>
           </a:p>
@@ -4600,7 +4601,7 @@
           <a:p>
             <a:fld id="{48A87A34-81AB-432B-8DAE-1953F412C126}" type="datetimeFigureOut">
               <a:rPr lang="en-US" smtClean="0"/>
-              <a:t>12/8/2023</a:t>
+              <a:t>12/11/2023</a:t>
             </a:fld>
             <a:endParaRPr lang="en-US" dirty="0"/>
           </a:p>
@@ -4849,7 +4850,7 @@
           <a:p>
             <a:fld id="{48A87A34-81AB-432B-8DAE-1953F412C126}" type="datetimeFigureOut">
               <a:rPr lang="en-US" smtClean="0"/>
-              <a:t>12/8/2023</a:t>
+              <a:t>12/11/2023</a:t>
             </a:fld>
             <a:endParaRPr lang="en-US" dirty="0"/>
           </a:p>
@@ -5106,7 +5107,7 @@
           <a:p>
             <a:fld id="{48A87A34-81AB-432B-8DAE-1953F412C126}" type="datetimeFigureOut">
               <a:rPr lang="en-US" smtClean="0"/>
-              <a:t>12/8/2023</a:t>
+              <a:t>12/11/2023</a:t>
             </a:fld>
             <a:endParaRPr lang="en-US" dirty="0"/>
           </a:p>
@@ -5350,7 +5351,7 @@
             <a:fld id="{48A87A34-81AB-432B-8DAE-1953F412C126}" type="datetimeFigureOut">
               <a:rPr lang="en-US" smtClean="0"/>
               <a:pPr/>
-              <a:t>12/8/2023</a:t>
+              <a:t>12/11/2023</a:t>
             </a:fld>
             <a:endParaRPr lang="en-US" dirty="0"/>
           </a:p>
@@ -6341,6 +6342,124 @@
 </p:sld>
 </file>
 
+<file path=ppt/slides/slide5.xml><?xml version="1.0" encoding="utf-8"?>
+<p:sld xmlns:a="http://schemas.openxmlformats.org/drawingml/2006/main" xmlns:r="http://schemas.openxmlformats.org/officeDocument/2006/relationships" xmlns:p="http://schemas.openxmlformats.org/presentationml/2006/main">
+  <p:cSld>
+    <p:spTree>
+      <p:nvGrpSpPr>
+        <p:cNvPr id="1" name=""/>
+        <p:cNvGrpSpPr/>
+        <p:nvPr/>
+      </p:nvGrpSpPr>
+      <p:grpSpPr>
+        <a:xfrm>
+          <a:off x="0" y="0"/>
+          <a:ext cx="0" cy="0"/>
+          <a:chOff x="0" y="0"/>
+          <a:chExt cx="0" cy="0"/>
+        </a:xfrm>
+      </p:grpSpPr>
+      <p:sp>
+        <p:nvSpPr>
+          <p:cNvPr id="2" name="Title 1">
+            <a:extLst>
+              <a:ext uri="{FF2B5EF4-FFF2-40B4-BE49-F238E27FC236}">
+                <a16:creationId xmlns:a16="http://schemas.microsoft.com/office/drawing/2014/main" id="{856C7422-8099-6D5D-6DE3-FC740C14487C}"/>
+              </a:ext>
+            </a:extLst>
+          </p:cNvPr>
+          <p:cNvSpPr>
+            <a:spLocks noGrp="1"/>
+          </p:cNvSpPr>
+          <p:nvPr>
+            <p:ph type="title"/>
+          </p:nvPr>
+        </p:nvSpPr>
+        <p:spPr/>
+        <p:txBody>
+          <a:bodyPr/>
+          <a:lstStyle/>
+          <a:p>
+            <a:pPr rtl="1"/>
+            <a:r>
+              <a:rPr lang="fa-IR" dirty="0">
+                <a:cs typeface="B Titr" panose="00000700000000000000" pitchFamily="2" charset="-78"/>
+              </a:rPr>
+              <a:t>بر روی </a:t>
+            </a:r>
+            <a:r>
+              <a:rPr lang="en-US" dirty="0" err="1">
+                <a:cs typeface="B Titr" panose="00000700000000000000" pitchFamily="2" charset="-78"/>
+              </a:rPr>
+              <a:t>CodeBlock</a:t>
+            </a:r>
+            <a:r>
+              <a:rPr lang="en-US" dirty="0">
+                <a:cs typeface="B Titr" panose="00000700000000000000" pitchFamily="2" charset="-78"/>
+              </a:rPr>
+              <a:t> Compiler </a:t>
+            </a:r>
+            <a:r>
+              <a:rPr lang="en-US" dirty="0" err="1">
+                <a:cs typeface="B Titr" panose="00000700000000000000" pitchFamily="2" charset="-78"/>
+              </a:rPr>
+              <a:t>Avr</a:t>
+            </a:r>
+            <a:r>
+              <a:rPr lang="fa-IR" dirty="0">
+                <a:cs typeface="B Titr" panose="00000700000000000000" pitchFamily="2" charset="-78"/>
+              </a:rPr>
+              <a:t> را نصب کنید</a:t>
+            </a:r>
+            <a:endParaRPr lang="en-US" dirty="0">
+              <a:cs typeface="B Titr" panose="00000700000000000000" pitchFamily="2" charset="-78"/>
+            </a:endParaRPr>
+          </a:p>
+        </p:txBody>
+      </p:sp>
+      <p:pic>
+        <p:nvPicPr>
+          <p:cNvPr id="8" name="Picture 7">
+            <a:extLst>
+              <a:ext uri="{FF2B5EF4-FFF2-40B4-BE49-F238E27FC236}">
+                <a16:creationId xmlns:a16="http://schemas.microsoft.com/office/drawing/2014/main" id="{9C1E8113-0447-7503-0E47-9925674F4850}"/>
+              </a:ext>
+            </a:extLst>
+          </p:cNvPr>
+          <p:cNvPicPr>
+            <a:picLocks noChangeAspect="1"/>
+          </p:cNvPicPr>
+          <p:nvPr/>
+        </p:nvPicPr>
+        <p:blipFill>
+          <a:blip r:embed="rId2"/>
+          <a:stretch>
+            <a:fillRect/>
+          </a:stretch>
+        </p:blipFill>
+        <p:spPr>
+          <a:xfrm>
+            <a:off x="3048000" y="2026026"/>
+            <a:ext cx="5859836" cy="4333135"/>
+          </a:xfrm>
+          <a:prstGeom prst="rect">
+            <a:avLst/>
+          </a:prstGeom>
+        </p:spPr>
+      </p:pic>
+    </p:spTree>
+    <p:extLst>
+      <p:ext uri="{BB962C8B-B14F-4D97-AF65-F5344CB8AC3E}">
+        <p14:creationId xmlns:p14="http://schemas.microsoft.com/office/powerpoint/2010/main" val="4186347530"/>
+      </p:ext>
+    </p:extLst>
+  </p:cSld>
+  <p:clrMapOvr>
+    <a:masterClrMapping/>
+  </p:clrMapOvr>
+</p:sld>
+</file>
+
 <file path=ppt/theme/theme1.xml><?xml version="1.0" encoding="utf-8"?>
 <a:theme xmlns:a="http://schemas.openxmlformats.org/drawingml/2006/main" name="Vapor Trail">
   <a:themeElements>
